--- a/UAVSAR LITE_Sprint3.pptx
+++ b/UAVSAR LITE_Sprint3.pptx
@@ -7,8 +7,6 @@
   <p:sldIdLst>
     <p:sldId id="256" r:id="rId2"/>
     <p:sldId id="326" r:id="rId3"/>
-    <p:sldId id="257" r:id="rId4"/>
-    <p:sldId id="320" r:id="rId5"/>
   </p:sldIdLst>
   <p:sldSz cx="12192000" cy="6858000"/>
   <p:notesSz cx="6858000" cy="9144000"/>
@@ -109,7 +107,7 @@
   </p:defaultTextStyle>
   <p:extLst>
     <p:ext uri="{EFAFB233-063F-42B5-8137-9DF3F51BA10A}">
-      <p15:sldGuideLst xmlns:p15="http://schemas.microsoft.com/office/powerpoint/2012/main" xmlns=""/>
+      <p15:sldGuideLst xmlns="" xmlns:p15="http://schemas.microsoft.com/office/powerpoint/2012/main"/>
     </p:ext>
   </p:extLst>
 </p:presentation>
@@ -344,7 +342,7 @@
           <a:p>
             <a:fld id="{1B35694F-4D0F-434D-B2B9-390E8EC1C760}" type="datetimeFigureOut">
               <a:rPr lang="en-US" smtClean="0"/>
-              <a:t>2/3/2021</a:t>
+              <a:t>2/17/2021</a:t>
             </a:fld>
             <a:endParaRPr lang="en-US"/>
           </a:p>
@@ -678,7 +676,7 @@
           <a:p>
             <a:fld id="{1B35694F-4D0F-434D-B2B9-390E8EC1C760}" type="datetimeFigureOut">
               <a:rPr lang="en-US" smtClean="0"/>
-              <a:t>2/3/2021</a:t>
+              <a:t>2/17/2021</a:t>
             </a:fld>
             <a:endParaRPr lang="en-US"/>
           </a:p>
@@ -956,7 +954,7 @@
           <a:p>
             <a:fld id="{1B35694F-4D0F-434D-B2B9-390E8EC1C760}" type="datetimeFigureOut">
               <a:rPr lang="en-US" smtClean="0"/>
-              <a:t>2/3/2021</a:t>
+              <a:t>2/17/2021</a:t>
             </a:fld>
             <a:endParaRPr lang="en-US"/>
           </a:p>
@@ -1524,7 +1522,7 @@
           <a:p>
             <a:fld id="{1B35694F-4D0F-434D-B2B9-390E8EC1C760}" type="datetimeFigureOut">
               <a:rPr lang="en-US" smtClean="0"/>
-              <a:t>2/3/2021</a:t>
+              <a:t>2/17/2021</a:t>
             </a:fld>
             <a:endParaRPr lang="en-US"/>
           </a:p>
@@ -1802,7 +1800,7 @@
           <a:p>
             <a:fld id="{1B35694F-4D0F-434D-B2B9-390E8EC1C760}" type="datetimeFigureOut">
               <a:rPr lang="en-US" smtClean="0"/>
-              <a:t>2/3/2021</a:t>
+              <a:t>2/17/2021</a:t>
             </a:fld>
             <a:endParaRPr lang="en-US"/>
           </a:p>
@@ -2364,7 +2362,7 @@
           <a:p>
             <a:fld id="{1B35694F-4D0F-434D-B2B9-390E8EC1C760}" type="datetimeFigureOut">
               <a:rPr lang="en-US" smtClean="0"/>
-              <a:t>2/3/2021</a:t>
+              <a:t>2/17/2021</a:t>
             </a:fld>
             <a:endParaRPr lang="en-US"/>
           </a:p>
@@ -2691,7 +2689,7 @@
           <a:p>
             <a:fld id="{1B35694F-4D0F-434D-B2B9-390E8EC1C760}" type="datetimeFigureOut">
               <a:rPr lang="en-US" smtClean="0"/>
-              <a:t>2/3/2021</a:t>
+              <a:t>2/17/2021</a:t>
             </a:fld>
             <a:endParaRPr lang="en-US"/>
           </a:p>
@@ -2868,7 +2866,7 @@
           <a:p>
             <a:fld id="{1B35694F-4D0F-434D-B2B9-390E8EC1C760}" type="datetimeFigureOut">
               <a:rPr lang="en-US" smtClean="0"/>
-              <a:t>2/3/2021</a:t>
+              <a:t>2/17/2021</a:t>
             </a:fld>
             <a:endParaRPr lang="en-US"/>
           </a:p>
@@ -3106,7 +3104,7 @@
           <a:p>
             <a:fld id="{1B35694F-4D0F-434D-B2B9-390E8EC1C760}" type="datetimeFigureOut">
               <a:rPr lang="en-US" smtClean="0"/>
-              <a:t>2/3/2021</a:t>
+              <a:t>2/17/2021</a:t>
             </a:fld>
             <a:endParaRPr lang="en-US"/>
           </a:p>
@@ -3306,7 +3304,7 @@
           <a:p>
             <a:fld id="{1B35694F-4D0F-434D-B2B9-390E8EC1C760}" type="datetimeFigureOut">
               <a:rPr lang="en-US" smtClean="0"/>
-              <a:t>2/3/2021</a:t>
+              <a:t>2/17/2021</a:t>
             </a:fld>
             <a:endParaRPr lang="en-US"/>
           </a:p>
@@ -3582,7 +3580,7 @@
           <a:p>
             <a:fld id="{1B35694F-4D0F-434D-B2B9-390E8EC1C760}" type="datetimeFigureOut">
               <a:rPr lang="en-US" smtClean="0"/>
-              <a:t>2/3/2021</a:t>
+              <a:t>2/17/2021</a:t>
             </a:fld>
             <a:endParaRPr lang="en-US"/>
           </a:p>
@@ -3848,7 +3846,7 @@
           <a:p>
             <a:fld id="{1B35694F-4D0F-434D-B2B9-390E8EC1C760}" type="datetimeFigureOut">
               <a:rPr lang="en-US" smtClean="0"/>
-              <a:t>2/3/2021</a:t>
+              <a:t>2/17/2021</a:t>
             </a:fld>
             <a:endParaRPr lang="en-US"/>
           </a:p>
@@ -4222,7 +4220,7 @@
           <a:p>
             <a:fld id="{1B35694F-4D0F-434D-B2B9-390E8EC1C760}" type="datetimeFigureOut">
               <a:rPr lang="en-US" smtClean="0"/>
-              <a:t>2/3/2021</a:t>
+              <a:t>2/17/2021</a:t>
             </a:fld>
             <a:endParaRPr lang="en-US"/>
           </a:p>
@@ -4370,7 +4368,7 @@
           <a:p>
             <a:fld id="{1B35694F-4D0F-434D-B2B9-390E8EC1C760}" type="datetimeFigureOut">
               <a:rPr lang="en-US" smtClean="0"/>
-              <a:t>2/3/2021</a:t>
+              <a:t>2/17/2021</a:t>
             </a:fld>
             <a:endParaRPr lang="en-US"/>
           </a:p>
@@ -4495,7 +4493,7 @@
           <a:p>
             <a:fld id="{1B35694F-4D0F-434D-B2B9-390E8EC1C760}" type="datetimeFigureOut">
               <a:rPr lang="en-US" smtClean="0"/>
-              <a:t>2/3/2021</a:t>
+              <a:t>2/17/2021</a:t>
             </a:fld>
             <a:endParaRPr lang="en-US"/>
           </a:p>
@@ -4780,7 +4778,7 @@
           <a:p>
             <a:fld id="{1B35694F-4D0F-434D-B2B9-390E8EC1C760}" type="datetimeFigureOut">
               <a:rPr lang="en-US" smtClean="0"/>
-              <a:t>2/3/2021</a:t>
+              <a:t>2/17/2021</a:t>
             </a:fld>
             <a:endParaRPr lang="en-US"/>
           </a:p>
@@ -5104,7 +5102,7 @@
           <a:p>
             <a:fld id="{1B35694F-4D0F-434D-B2B9-390E8EC1C760}" type="datetimeFigureOut">
               <a:rPr lang="en-US" smtClean="0"/>
-              <a:t>2/3/2021</a:t>
+              <a:t>2/17/2021</a:t>
             </a:fld>
             <a:endParaRPr lang="en-US"/>
           </a:p>
@@ -5318,7 +5316,7 @@
           <a:p>
             <a:fld id="{1B35694F-4D0F-434D-B2B9-390E8EC1C760}" type="datetimeFigureOut">
               <a:rPr lang="en-US" smtClean="0"/>
-              <a:t>2/3/2021</a:t>
+              <a:t>2/17/2021</a:t>
             </a:fld>
             <a:endParaRPr lang="en-US"/>
           </a:p>
@@ -6009,240 +6007,6 @@
 </p:sld>
 </file>
 
-<file path=ppt/slides/slide3.xml><?xml version="1.0" encoding="utf-8"?>
-<p:sld xmlns:a="http://schemas.openxmlformats.org/drawingml/2006/main" xmlns:r="http://schemas.openxmlformats.org/officeDocument/2006/relationships" xmlns:p="http://schemas.openxmlformats.org/presentationml/2006/main">
-  <p:cSld>
-    <p:spTree>
-      <p:nvGrpSpPr>
-        <p:cNvPr id="1" name=""/>
-        <p:cNvGrpSpPr/>
-        <p:nvPr/>
-      </p:nvGrpSpPr>
-      <p:grpSpPr>
-        <a:xfrm>
-          <a:off x="0" y="0"/>
-          <a:ext cx="0" cy="0"/>
-          <a:chOff x="0" y="0"/>
-          <a:chExt cx="0" cy="0"/>
-        </a:xfrm>
-      </p:grpSpPr>
-      <p:sp>
-        <p:nvSpPr>
-          <p:cNvPr id="2" name="Title 1"/>
-          <p:cNvSpPr>
-            <a:spLocks noGrp="1"/>
-          </p:cNvSpPr>
-          <p:nvPr>
-            <p:ph type="title"/>
-          </p:nvPr>
-        </p:nvSpPr>
-        <p:spPr/>
-        <p:txBody>
-          <a:bodyPr/>
-          <a:lstStyle/>
-          <a:p>
-            <a:r>
-              <a:rPr lang="en-US" dirty="0"/>
-              <a:t>PROJECT OBECTIVES</a:t>
-            </a:r>
-          </a:p>
-        </p:txBody>
-      </p:sp>
-      <p:sp>
-        <p:nvSpPr>
-          <p:cNvPr id="3" name="Content Placeholder 2"/>
-          <p:cNvSpPr>
-            <a:spLocks noGrp="1"/>
-          </p:cNvSpPr>
-          <p:nvPr>
-            <p:ph idx="1"/>
-          </p:nvPr>
-        </p:nvSpPr>
-        <p:spPr/>
-        <p:txBody>
-          <a:bodyPr/>
-          <a:lstStyle/>
-          <a:p>
-            <a:r>
-              <a:rPr lang="en-US" dirty="0"/>
-              <a:t>Build </a:t>
-            </a:r>
-            <a:r>
-              <a:rPr lang="en-US" dirty="0" smtClean="0"/>
-              <a:t>an autonomous unmanned aircraft vehicle with a SAR attached to. </a:t>
-            </a:r>
-            <a:r>
-              <a:rPr lang="en-US" dirty="0"/>
-              <a:t>A</a:t>
-            </a:r>
-            <a:r>
-              <a:rPr lang="en-US" dirty="0" smtClean="0"/>
-              <a:t> millimeter wave RADAR device will be used </a:t>
-            </a:r>
-            <a:r>
-              <a:rPr lang="en-US" dirty="0"/>
-              <a:t>as a synthetic aperture radar </a:t>
-            </a:r>
-            <a:r>
-              <a:rPr lang="en-US" dirty="0" smtClean="0"/>
-              <a:t>and will be attached </a:t>
-            </a:r>
-            <a:r>
-              <a:rPr lang="en-US" dirty="0"/>
-              <a:t>to an autonomous drone that has a wireless connection to a cell phone where the SAR images will be displayed to the user. A </a:t>
-            </a:r>
-            <a:r>
-              <a:rPr lang="en-US" dirty="0" err="1"/>
-              <a:t>matlab</a:t>
-            </a:r>
-            <a:r>
-              <a:rPr lang="en-US" dirty="0"/>
-              <a:t> model executing on a mobile app can be used to do the signal processing of I/Q and other data needed for rendering the SAR image on the mobile </a:t>
-            </a:r>
-            <a:r>
-              <a:rPr lang="en-US" dirty="0" smtClean="0"/>
-              <a:t>phone</a:t>
-            </a:r>
-          </a:p>
-          <a:p>
-            <a:r>
-              <a:rPr lang="en-US" dirty="0" smtClean="0"/>
-              <a:t>The project will consist of 2 separate applications. An embedded application running on a Raspberry Pi 4 that is responsible for synchronizing the IMU data with the RADAR data and sending the synchronized data packets to an Android device that is waiting to receive the data, process the data, and generate a SAR image.</a:t>
-            </a:r>
-            <a:endParaRPr lang="en-US" dirty="0"/>
-          </a:p>
-          <a:p>
-            <a:endParaRPr lang="en-US" dirty="0"/>
-          </a:p>
-        </p:txBody>
-      </p:sp>
-    </p:spTree>
-    <p:extLst>
-      <p:ext uri="{BB962C8B-B14F-4D97-AF65-F5344CB8AC3E}">
-        <p14:creationId xmlns:p14="http://schemas.microsoft.com/office/powerpoint/2010/main" val="3625503166"/>
-      </p:ext>
-    </p:extLst>
-  </p:cSld>
-  <p:clrMapOvr>
-    <a:masterClrMapping/>
-  </p:clrMapOvr>
-  <p:timing>
-    <p:tnLst>
-      <p:par>
-        <p:cTn id="1" dur="indefinite" restart="never" nodeType="tmRoot"/>
-      </p:par>
-    </p:tnLst>
-  </p:timing>
-</p:sld>
-</file>
-
-<file path=ppt/slides/slide4.xml><?xml version="1.0" encoding="utf-8"?>
-<p:sld xmlns:a="http://schemas.openxmlformats.org/drawingml/2006/main" xmlns:r="http://schemas.openxmlformats.org/officeDocument/2006/relationships" xmlns:p="http://schemas.openxmlformats.org/presentationml/2006/main">
-  <p:cSld>
-    <p:spTree>
-      <p:nvGrpSpPr>
-        <p:cNvPr id="1" name=""/>
-        <p:cNvGrpSpPr/>
-        <p:nvPr/>
-      </p:nvGrpSpPr>
-      <p:grpSpPr>
-        <a:xfrm>
-          <a:off x="0" y="0"/>
-          <a:ext cx="0" cy="0"/>
-          <a:chOff x="0" y="0"/>
-          <a:chExt cx="0" cy="0"/>
-        </a:xfrm>
-      </p:grpSpPr>
-      <p:sp>
-        <p:nvSpPr>
-          <p:cNvPr id="2" name="Title 1"/>
-          <p:cNvSpPr>
-            <a:spLocks noGrp="1"/>
-          </p:cNvSpPr>
-          <p:nvPr>
-            <p:ph type="title"/>
-          </p:nvPr>
-        </p:nvSpPr>
-        <p:spPr/>
-        <p:txBody>
-          <a:bodyPr/>
-          <a:lstStyle/>
-          <a:p>
-            <a:r>
-              <a:rPr lang="en-US" dirty="0"/>
-              <a:t>Radar </a:t>
-            </a:r>
-            <a:r>
-              <a:rPr lang="en-US" dirty="0" smtClean="0"/>
-              <a:t>questions</a:t>
-            </a:r>
-            <a:endParaRPr lang="en-US" dirty="0"/>
-          </a:p>
-        </p:txBody>
-      </p:sp>
-      <p:sp>
-        <p:nvSpPr>
-          <p:cNvPr id="3" name="Content Placeholder 2"/>
-          <p:cNvSpPr>
-            <a:spLocks noGrp="1"/>
-          </p:cNvSpPr>
-          <p:nvPr>
-            <p:ph idx="1"/>
-          </p:nvPr>
-        </p:nvSpPr>
-        <p:spPr/>
-        <p:txBody>
-          <a:bodyPr/>
-          <a:lstStyle/>
-          <a:p>
-            <a:r>
-              <a:rPr lang="en-US" dirty="0" smtClean="0"/>
-              <a:t>What angle should the antennas be positioned?</a:t>
-            </a:r>
-          </a:p>
-          <a:p>
-            <a:r>
-              <a:rPr lang="en-US" dirty="0" smtClean="0"/>
-              <a:t>What is the beam width of the IWR6843?</a:t>
-            </a:r>
-          </a:p>
-          <a:p>
-            <a:r>
-              <a:rPr lang="en-US" dirty="0" smtClean="0"/>
-              <a:t>What will the size of our images be?</a:t>
-            </a:r>
-          </a:p>
-          <a:p>
-            <a:r>
-              <a:rPr lang="en-US" dirty="0" smtClean="0"/>
-              <a:t>How much time is available to move RADAR data in between chirps(transmit)?</a:t>
-            </a:r>
-          </a:p>
-          <a:p>
-            <a:endParaRPr lang="en-US" dirty="0"/>
-          </a:p>
-        </p:txBody>
-      </p:sp>
-    </p:spTree>
-    <p:extLst>
-      <p:ext uri="{BB962C8B-B14F-4D97-AF65-F5344CB8AC3E}">
-        <p14:creationId xmlns:p14="http://schemas.microsoft.com/office/powerpoint/2010/main" val="642683314"/>
-      </p:ext>
-    </p:extLst>
-  </p:cSld>
-  <p:clrMapOvr>
-    <a:masterClrMapping/>
-  </p:clrMapOvr>
-  <p:timing>
-    <p:tnLst>
-      <p:par>
-        <p:cTn id="1" dur="indefinite" restart="never" nodeType="tmRoot"/>
-      </p:par>
-    </p:tnLst>
-  </p:timing>
-</p:sld>
-</file>
-
 <file path=ppt/theme/theme1.xml><?xml version="1.0" encoding="utf-8"?>
 <a:theme xmlns:a="http://schemas.openxmlformats.org/drawingml/2006/main" name="Celestial">
   <a:themeElements>
@@ -6486,7 +6250,7 @@
   <a:extraClrSchemeLst/>
   <a:extLst>
     <a:ext uri="{05A4C25C-085E-4340-85A3-A5531E510DB2}">
-      <thm15:themeFamily xmlns:thm15="http://schemas.microsoft.com/office/thememl/2012/main" xmlns="" name="Celestial" id="{C4BB2A3D-0E93-4C5F-B0D2-9D3FCE089CC5}" vid="{42E5908D-19A2-46FD-89FA-638B126129EF}"/>
+      <thm15:themeFamily xmlns="" xmlns:thm15="http://schemas.microsoft.com/office/thememl/2012/main" name="Celestial" id="{C4BB2A3D-0E93-4C5F-B0D2-9D3FCE089CC5}" vid="{42E5908D-19A2-46FD-89FA-638B126129EF}"/>
     </a:ext>
   </a:extLst>
 </a:theme>

--- a/UAVSAR LITE_Sprint3.pptx
+++ b/UAVSAR LITE_Sprint3.pptx
@@ -7,6 +7,13 @@
   <p:sldIdLst>
     <p:sldId id="256" r:id="rId2"/>
     <p:sldId id="326" r:id="rId3"/>
+    <p:sldId id="327" r:id="rId4"/>
+    <p:sldId id="333" r:id="rId5"/>
+    <p:sldId id="332" r:id="rId6"/>
+    <p:sldId id="329" r:id="rId7"/>
+    <p:sldId id="334" r:id="rId8"/>
+    <p:sldId id="330" r:id="rId9"/>
+    <p:sldId id="331" r:id="rId10"/>
   </p:sldIdLst>
   <p:sldSz cx="12192000" cy="6858000"/>
   <p:notesSz cx="6858000" cy="9144000"/>
@@ -342,7 +349,7 @@
           <a:p>
             <a:fld id="{1B35694F-4D0F-434D-B2B9-390E8EC1C760}" type="datetimeFigureOut">
               <a:rPr lang="en-US" smtClean="0"/>
-              <a:t>2/17/2021</a:t>
+              <a:t>4/19/2021</a:t>
             </a:fld>
             <a:endParaRPr lang="en-US"/>
           </a:p>
@@ -676,7 +683,7 @@
           <a:p>
             <a:fld id="{1B35694F-4D0F-434D-B2B9-390E8EC1C760}" type="datetimeFigureOut">
               <a:rPr lang="en-US" smtClean="0"/>
-              <a:t>2/17/2021</a:t>
+              <a:t>4/19/2021</a:t>
             </a:fld>
             <a:endParaRPr lang="en-US"/>
           </a:p>
@@ -954,7 +961,7 @@
           <a:p>
             <a:fld id="{1B35694F-4D0F-434D-B2B9-390E8EC1C760}" type="datetimeFigureOut">
               <a:rPr lang="en-US" smtClean="0"/>
-              <a:t>2/17/2021</a:t>
+              <a:t>4/19/2021</a:t>
             </a:fld>
             <a:endParaRPr lang="en-US"/>
           </a:p>
@@ -1522,7 +1529,7 @@
           <a:p>
             <a:fld id="{1B35694F-4D0F-434D-B2B9-390E8EC1C760}" type="datetimeFigureOut">
               <a:rPr lang="en-US" smtClean="0"/>
-              <a:t>2/17/2021</a:t>
+              <a:t>4/19/2021</a:t>
             </a:fld>
             <a:endParaRPr lang="en-US"/>
           </a:p>
@@ -1800,7 +1807,7 @@
           <a:p>
             <a:fld id="{1B35694F-4D0F-434D-B2B9-390E8EC1C760}" type="datetimeFigureOut">
               <a:rPr lang="en-US" smtClean="0"/>
-              <a:t>2/17/2021</a:t>
+              <a:t>4/19/2021</a:t>
             </a:fld>
             <a:endParaRPr lang="en-US"/>
           </a:p>
@@ -2362,7 +2369,7 @@
           <a:p>
             <a:fld id="{1B35694F-4D0F-434D-B2B9-390E8EC1C760}" type="datetimeFigureOut">
               <a:rPr lang="en-US" smtClean="0"/>
-              <a:t>2/17/2021</a:t>
+              <a:t>4/19/2021</a:t>
             </a:fld>
             <a:endParaRPr lang="en-US"/>
           </a:p>
@@ -2689,7 +2696,7 @@
           <a:p>
             <a:fld id="{1B35694F-4D0F-434D-B2B9-390E8EC1C760}" type="datetimeFigureOut">
               <a:rPr lang="en-US" smtClean="0"/>
-              <a:t>2/17/2021</a:t>
+              <a:t>4/19/2021</a:t>
             </a:fld>
             <a:endParaRPr lang="en-US"/>
           </a:p>
@@ -2866,7 +2873,7 @@
           <a:p>
             <a:fld id="{1B35694F-4D0F-434D-B2B9-390E8EC1C760}" type="datetimeFigureOut">
               <a:rPr lang="en-US" smtClean="0"/>
-              <a:t>2/17/2021</a:t>
+              <a:t>4/19/2021</a:t>
             </a:fld>
             <a:endParaRPr lang="en-US"/>
           </a:p>
@@ -3104,7 +3111,7 @@
           <a:p>
             <a:fld id="{1B35694F-4D0F-434D-B2B9-390E8EC1C760}" type="datetimeFigureOut">
               <a:rPr lang="en-US" smtClean="0"/>
-              <a:t>2/17/2021</a:t>
+              <a:t>4/19/2021</a:t>
             </a:fld>
             <a:endParaRPr lang="en-US"/>
           </a:p>
@@ -3304,7 +3311,7 @@
           <a:p>
             <a:fld id="{1B35694F-4D0F-434D-B2B9-390E8EC1C760}" type="datetimeFigureOut">
               <a:rPr lang="en-US" smtClean="0"/>
-              <a:t>2/17/2021</a:t>
+              <a:t>4/19/2021</a:t>
             </a:fld>
             <a:endParaRPr lang="en-US"/>
           </a:p>
@@ -3580,7 +3587,7 @@
           <a:p>
             <a:fld id="{1B35694F-4D0F-434D-B2B9-390E8EC1C760}" type="datetimeFigureOut">
               <a:rPr lang="en-US" smtClean="0"/>
-              <a:t>2/17/2021</a:t>
+              <a:t>4/19/2021</a:t>
             </a:fld>
             <a:endParaRPr lang="en-US"/>
           </a:p>
@@ -3846,7 +3853,7 @@
           <a:p>
             <a:fld id="{1B35694F-4D0F-434D-B2B9-390E8EC1C760}" type="datetimeFigureOut">
               <a:rPr lang="en-US" smtClean="0"/>
-              <a:t>2/17/2021</a:t>
+              <a:t>4/19/2021</a:t>
             </a:fld>
             <a:endParaRPr lang="en-US"/>
           </a:p>
@@ -4220,7 +4227,7 @@
           <a:p>
             <a:fld id="{1B35694F-4D0F-434D-B2B9-390E8EC1C760}" type="datetimeFigureOut">
               <a:rPr lang="en-US" smtClean="0"/>
-              <a:t>2/17/2021</a:t>
+              <a:t>4/19/2021</a:t>
             </a:fld>
             <a:endParaRPr lang="en-US"/>
           </a:p>
@@ -4368,7 +4375,7 @@
           <a:p>
             <a:fld id="{1B35694F-4D0F-434D-B2B9-390E8EC1C760}" type="datetimeFigureOut">
               <a:rPr lang="en-US" smtClean="0"/>
-              <a:t>2/17/2021</a:t>
+              <a:t>4/19/2021</a:t>
             </a:fld>
             <a:endParaRPr lang="en-US"/>
           </a:p>
@@ -4493,7 +4500,7 @@
           <a:p>
             <a:fld id="{1B35694F-4D0F-434D-B2B9-390E8EC1C760}" type="datetimeFigureOut">
               <a:rPr lang="en-US" smtClean="0"/>
-              <a:t>2/17/2021</a:t>
+              <a:t>4/19/2021</a:t>
             </a:fld>
             <a:endParaRPr lang="en-US"/>
           </a:p>
@@ -4778,7 +4785,7 @@
           <a:p>
             <a:fld id="{1B35694F-4D0F-434D-B2B9-390E8EC1C760}" type="datetimeFigureOut">
               <a:rPr lang="en-US" smtClean="0"/>
-              <a:t>2/17/2021</a:t>
+              <a:t>4/19/2021</a:t>
             </a:fld>
             <a:endParaRPr lang="en-US"/>
           </a:p>
@@ -5102,7 +5109,7 @@
           <a:p>
             <a:fld id="{1B35694F-4D0F-434D-B2B9-390E8EC1C760}" type="datetimeFigureOut">
               <a:rPr lang="en-US" smtClean="0"/>
-              <a:t>2/17/2021</a:t>
+              <a:t>4/19/2021</a:t>
             </a:fld>
             <a:endParaRPr lang="en-US"/>
           </a:p>
@@ -5316,7 +5323,7 @@
           <a:p>
             <a:fld id="{1B35694F-4D0F-434D-B2B9-390E8EC1C760}" type="datetimeFigureOut">
               <a:rPr lang="en-US" smtClean="0"/>
-              <a:t>2/17/2021</a:t>
+              <a:t>4/19/2021</a:t>
             </a:fld>
             <a:endParaRPr lang="en-US"/>
           </a:p>
@@ -6007,6 +6014,1116 @@
 </p:sld>
 </file>
 
+<file path=ppt/slides/slide3.xml><?xml version="1.0" encoding="utf-8"?>
+<p:sld xmlns:a="http://schemas.openxmlformats.org/drawingml/2006/main" xmlns:r="http://schemas.openxmlformats.org/officeDocument/2006/relationships" xmlns:p="http://schemas.openxmlformats.org/presentationml/2006/main">
+  <p:cSld>
+    <p:spTree>
+      <p:nvGrpSpPr>
+        <p:cNvPr id="1" name=""/>
+        <p:cNvGrpSpPr/>
+        <p:nvPr/>
+      </p:nvGrpSpPr>
+      <p:grpSpPr>
+        <a:xfrm>
+          <a:off x="0" y="0"/>
+          <a:ext cx="0" cy="0"/>
+          <a:chOff x="0" y="0"/>
+          <a:chExt cx="0" cy="0"/>
+        </a:xfrm>
+      </p:grpSpPr>
+      <p:sp>
+        <p:nvSpPr>
+          <p:cNvPr id="2" name="Title 1"/>
+          <p:cNvSpPr>
+            <a:spLocks noGrp="1"/>
+          </p:cNvSpPr>
+          <p:nvPr>
+            <p:ph type="title"/>
+          </p:nvPr>
+        </p:nvSpPr>
+        <p:spPr/>
+        <p:txBody>
+          <a:bodyPr/>
+          <a:lstStyle/>
+          <a:p>
+            <a:r>
+              <a:rPr lang="en-US" b="1" dirty="0"/>
+              <a:t>Setting up SITL on </a:t>
+            </a:r>
+            <a:r>
+              <a:rPr lang="en-US" b="1" dirty="0" smtClean="0"/>
+              <a:t>Windows</a:t>
+            </a:r>
+            <a:endParaRPr lang="en-US" dirty="0"/>
+          </a:p>
+        </p:txBody>
+      </p:sp>
+      <p:sp>
+        <p:nvSpPr>
+          <p:cNvPr id="3" name="Content Placeholder 2"/>
+          <p:cNvSpPr>
+            <a:spLocks noGrp="1"/>
+          </p:cNvSpPr>
+          <p:nvPr>
+            <p:ph idx="1"/>
+          </p:nvPr>
+        </p:nvSpPr>
+        <p:spPr/>
+        <p:txBody>
+          <a:bodyPr>
+            <a:normAutofit lnSpcReduction="10000"/>
+          </a:bodyPr>
+          <a:lstStyle/>
+          <a:p>
+            <a:r>
+              <a:rPr lang="en-US" dirty="0" smtClean="0"/>
+              <a:t>All steps:</a:t>
+            </a:r>
+          </a:p>
+          <a:p>
+            <a:pPr lvl="1"/>
+            <a:r>
+              <a:rPr lang="en-US" dirty="0">
+                <a:hlinkClick r:id="rId2"/>
+              </a:rPr>
+              <a:t>https://</a:t>
+            </a:r>
+            <a:r>
+              <a:rPr lang="en-US" dirty="0" smtClean="0">
+                <a:hlinkClick r:id="rId2"/>
+              </a:rPr>
+              <a:t>ardupilot.org/dev/docs/sitl-native-on-windows.html#sitl-native-on-windows</a:t>
+            </a:r>
+            <a:endParaRPr lang="en-US" dirty="0"/>
+          </a:p>
+          <a:p>
+            <a:r>
+              <a:rPr lang="en-US" dirty="0" smtClean="0"/>
+              <a:t>Install </a:t>
+            </a:r>
+            <a:r>
+              <a:rPr lang="en-US" dirty="0"/>
+              <a:t>Cygwin as described </a:t>
+            </a:r>
+            <a:r>
+              <a:rPr lang="en-US" dirty="0" smtClean="0">
+                <a:hlinkClick r:id="rId3"/>
+              </a:rPr>
+              <a:t>here</a:t>
+            </a:r>
+            <a:endParaRPr lang="en-US" dirty="0" smtClean="0"/>
+          </a:p>
+          <a:p>
+            <a:pPr lvl="1"/>
+            <a:r>
+              <a:rPr lang="en-US" dirty="0">
+                <a:hlinkClick r:id="rId3"/>
+              </a:rPr>
+              <a:t>https://</a:t>
+            </a:r>
+            <a:r>
+              <a:rPr lang="en-US" dirty="0" smtClean="0">
+                <a:hlinkClick r:id="rId3"/>
+              </a:rPr>
+              <a:t>ardupilot.org/dev/docs/building-setup-windows-cygwin.html#building-setup-windows-cygwin</a:t>
+            </a:r>
+            <a:endParaRPr lang="en-US" dirty="0" smtClean="0"/>
+          </a:p>
+          <a:p>
+            <a:endParaRPr lang="en-US" dirty="0"/>
+          </a:p>
+          <a:p>
+            <a:r>
+              <a:rPr lang="en-US" dirty="0" smtClean="0"/>
+              <a:t>Download </a:t>
+            </a:r>
+            <a:r>
+              <a:rPr lang="en-US" dirty="0" err="1" smtClean="0"/>
+              <a:t>MavProxy</a:t>
+            </a:r>
+            <a:r>
+              <a:rPr lang="en-US" dirty="0" smtClean="0"/>
+              <a:t> for Windows</a:t>
+            </a:r>
+          </a:p>
+          <a:p>
+            <a:pPr lvl="1"/>
+            <a:r>
+              <a:rPr lang="en-US" dirty="0">
+                <a:hlinkClick r:id="rId4"/>
+              </a:rPr>
+              <a:t>https://</a:t>
+            </a:r>
+            <a:r>
+              <a:rPr lang="en-US" dirty="0" smtClean="0">
+                <a:hlinkClick r:id="rId4"/>
+              </a:rPr>
+              <a:t>ardupilot.org/mavproxy/docs/getting_started/download_and_installation.html#mavproxy-downloadinstallwindows</a:t>
+            </a:r>
+            <a:endParaRPr lang="en-US" dirty="0" smtClean="0"/>
+          </a:p>
+          <a:p>
+            <a:pPr lvl="1"/>
+            <a:r>
+              <a:rPr lang="en-US" dirty="0"/>
+              <a:t>Installation </a:t>
+            </a:r>
+            <a:r>
+              <a:rPr lang="en-US" dirty="0" smtClean="0"/>
+              <a:t>script that installs everything needed: </a:t>
+            </a:r>
+          </a:p>
+          <a:p>
+            <a:pPr lvl="2"/>
+            <a:r>
+              <a:rPr lang="en-US" dirty="0" smtClean="0">
+                <a:hlinkClick r:id="rId5"/>
+              </a:rPr>
+              <a:t>https</a:t>
+            </a:r>
+            <a:r>
+              <a:rPr lang="en-US" dirty="0">
+                <a:hlinkClick r:id="rId5"/>
+              </a:rPr>
+              <a:t>://</a:t>
+            </a:r>
+            <a:r>
+              <a:rPr lang="en-US" dirty="0" smtClean="0">
+                <a:hlinkClick r:id="rId5"/>
+              </a:rPr>
+              <a:t>github.com/ArduPilot/ardupilot/blob/master/Tools/environment_install/install-prereqs-windows.ps1</a:t>
+            </a:r>
+            <a:endParaRPr lang="en-US" dirty="0" smtClean="0"/>
+          </a:p>
+          <a:p>
+            <a:pPr lvl="1"/>
+            <a:endParaRPr lang="en-US" dirty="0" smtClean="0"/>
+          </a:p>
+        </p:txBody>
+      </p:sp>
+    </p:spTree>
+    <p:extLst>
+      <p:ext uri="{BB962C8B-B14F-4D97-AF65-F5344CB8AC3E}">
+        <p14:creationId xmlns:p14="http://schemas.microsoft.com/office/powerpoint/2010/main" val="82254633"/>
+      </p:ext>
+    </p:extLst>
+  </p:cSld>
+  <p:clrMapOvr>
+    <a:masterClrMapping/>
+  </p:clrMapOvr>
+  <p:timing>
+    <p:tnLst>
+      <p:par>
+        <p:cTn id="1" dur="indefinite" restart="never" nodeType="tmRoot"/>
+      </p:par>
+    </p:tnLst>
+  </p:timing>
+</p:sld>
+</file>
+
+<file path=ppt/slides/slide4.xml><?xml version="1.0" encoding="utf-8"?>
+<p:sld xmlns:a="http://schemas.openxmlformats.org/drawingml/2006/main" xmlns:r="http://schemas.openxmlformats.org/officeDocument/2006/relationships" xmlns:p="http://schemas.openxmlformats.org/presentationml/2006/main">
+  <p:cSld>
+    <p:spTree>
+      <p:nvGrpSpPr>
+        <p:cNvPr id="1" name=""/>
+        <p:cNvGrpSpPr/>
+        <p:nvPr/>
+      </p:nvGrpSpPr>
+      <p:grpSpPr>
+        <a:xfrm>
+          <a:off x="0" y="0"/>
+          <a:ext cx="0" cy="0"/>
+          <a:chOff x="0" y="0"/>
+          <a:chExt cx="0" cy="0"/>
+        </a:xfrm>
+      </p:grpSpPr>
+      <p:sp>
+        <p:nvSpPr>
+          <p:cNvPr id="2" name="Title 1"/>
+          <p:cNvSpPr>
+            <a:spLocks noGrp="1"/>
+          </p:cNvSpPr>
+          <p:nvPr>
+            <p:ph type="title"/>
+          </p:nvPr>
+        </p:nvSpPr>
+        <p:spPr/>
+        <p:txBody>
+          <a:bodyPr/>
+          <a:lstStyle/>
+          <a:p>
+            <a:r>
+              <a:rPr lang="en-US" dirty="0" err="1" smtClean="0"/>
+              <a:t>Sitl</a:t>
+            </a:r>
+            <a:r>
+              <a:rPr lang="en-US" dirty="0" smtClean="0"/>
+              <a:t> commands</a:t>
+            </a:r>
+            <a:endParaRPr lang="en-US" dirty="0"/>
+          </a:p>
+        </p:txBody>
+      </p:sp>
+      <p:sp>
+        <p:nvSpPr>
+          <p:cNvPr id="3" name="Content Placeholder 2"/>
+          <p:cNvSpPr>
+            <a:spLocks noGrp="1"/>
+          </p:cNvSpPr>
+          <p:nvPr>
+            <p:ph idx="1"/>
+          </p:nvPr>
+        </p:nvSpPr>
+        <p:spPr/>
+        <p:txBody>
+          <a:bodyPr/>
+          <a:lstStyle/>
+          <a:p>
+            <a:endParaRPr lang="en-US"/>
+          </a:p>
+        </p:txBody>
+      </p:sp>
+      <p:pic>
+        <p:nvPicPr>
+          <p:cNvPr id="1026" name="Picture 2"/>
+          <p:cNvPicPr>
+            <a:picLocks noChangeAspect="1" noChangeArrowheads="1"/>
+          </p:cNvPicPr>
+          <p:nvPr/>
+        </p:nvPicPr>
+        <p:blipFill>
+          <a:blip r:embed="rId2">
+            <a:extLst>
+              <a:ext uri="{28A0092B-C50C-407E-A947-70E740481C1C}">
+                <a14:useLocalDpi xmlns:a14="http://schemas.microsoft.com/office/drawing/2010/main" val="0"/>
+              </a:ext>
+            </a:extLst>
+          </a:blip>
+          <a:srcRect/>
+          <a:stretch>
+            <a:fillRect/>
+          </a:stretch>
+        </p:blipFill>
+        <p:spPr bwMode="auto">
+          <a:xfrm>
+            <a:off x="714375" y="2300288"/>
+            <a:ext cx="5619750" cy="3590925"/>
+          </a:xfrm>
+          <a:prstGeom prst="rect">
+            <a:avLst/>
+          </a:prstGeom>
+          <a:noFill/>
+          <a:ln>
+            <a:noFill/>
+          </a:ln>
+          <a:effectLst/>
+          <a:extLst>
+            <a:ext uri="{909E8E84-426E-40DD-AFC4-6F175D3DCCD1}">
+              <a14:hiddenFill xmlns:a14="http://schemas.microsoft.com/office/drawing/2010/main">
+                <a:solidFill>
+                  <a:schemeClr val="accent1"/>
+                </a:solidFill>
+              </a14:hiddenFill>
+            </a:ext>
+            <a:ext uri="{91240B29-F687-4F45-9708-019B960494DF}">
+              <a14:hiddenLine xmlns:a14="http://schemas.microsoft.com/office/drawing/2010/main" w="9525">
+                <a:solidFill>
+                  <a:schemeClr val="tx1"/>
+                </a:solidFill>
+                <a:miter lim="800000"/>
+                <a:headEnd/>
+                <a:tailEnd/>
+              </a14:hiddenLine>
+            </a:ext>
+            <a:ext uri="{AF507438-7753-43E0-B8FC-AC1667EBCBE1}">
+              <a14:hiddenEffects xmlns:a14="http://schemas.microsoft.com/office/drawing/2010/main">
+                <a:effectLst>
+                  <a:outerShdw dist="35921" dir="2700000" algn="ctr" rotWithShape="0">
+                    <a:schemeClr val="bg2"/>
+                  </a:outerShdw>
+                </a:effectLst>
+              </a14:hiddenEffects>
+            </a:ext>
+          </a:extLst>
+        </p:spPr>
+      </p:pic>
+    </p:spTree>
+    <p:extLst>
+      <p:ext uri="{BB962C8B-B14F-4D97-AF65-F5344CB8AC3E}">
+        <p14:creationId xmlns:p14="http://schemas.microsoft.com/office/powerpoint/2010/main" val="2836548067"/>
+      </p:ext>
+    </p:extLst>
+  </p:cSld>
+  <p:clrMapOvr>
+    <a:masterClrMapping/>
+  </p:clrMapOvr>
+</p:sld>
+</file>
+
+<file path=ppt/slides/slide5.xml><?xml version="1.0" encoding="utf-8"?>
+<p:sld xmlns:a="http://schemas.openxmlformats.org/drawingml/2006/main" xmlns:r="http://schemas.openxmlformats.org/officeDocument/2006/relationships" xmlns:p="http://schemas.openxmlformats.org/presentationml/2006/main">
+  <p:cSld>
+    <p:spTree>
+      <p:nvGrpSpPr>
+        <p:cNvPr id="1" name=""/>
+        <p:cNvGrpSpPr/>
+        <p:nvPr/>
+      </p:nvGrpSpPr>
+      <p:grpSpPr>
+        <a:xfrm>
+          <a:off x="0" y="0"/>
+          <a:ext cx="0" cy="0"/>
+          <a:chOff x="0" y="0"/>
+          <a:chExt cx="0" cy="0"/>
+        </a:xfrm>
+      </p:grpSpPr>
+      <p:sp>
+        <p:nvSpPr>
+          <p:cNvPr id="2" name="Title 1"/>
+          <p:cNvSpPr>
+            <a:spLocks noGrp="1"/>
+          </p:cNvSpPr>
+          <p:nvPr>
+            <p:ph type="title"/>
+          </p:nvPr>
+        </p:nvSpPr>
+        <p:spPr/>
+        <p:txBody>
+          <a:bodyPr/>
+          <a:lstStyle/>
+          <a:p>
+            <a:r>
+              <a:rPr lang="en-US" dirty="0" err="1" smtClean="0"/>
+              <a:t>Sitl</a:t>
+            </a:r>
+            <a:r>
+              <a:rPr lang="en-US" dirty="0" smtClean="0"/>
+              <a:t> and </a:t>
+            </a:r>
+            <a:r>
+              <a:rPr lang="en-US" dirty="0" err="1" smtClean="0"/>
+              <a:t>mavproxy</a:t>
+            </a:r>
+            <a:r>
+              <a:rPr lang="en-US" dirty="0" smtClean="0"/>
+              <a:t> screen shots</a:t>
+            </a:r>
+            <a:endParaRPr lang="en-US" dirty="0"/>
+          </a:p>
+        </p:txBody>
+      </p:sp>
+      <p:sp>
+        <p:nvSpPr>
+          <p:cNvPr id="3" name="Content Placeholder 2"/>
+          <p:cNvSpPr>
+            <a:spLocks noGrp="1"/>
+          </p:cNvSpPr>
+          <p:nvPr>
+            <p:ph idx="1"/>
+          </p:nvPr>
+        </p:nvSpPr>
+        <p:spPr/>
+        <p:txBody>
+          <a:bodyPr/>
+          <a:lstStyle/>
+          <a:p>
+            <a:endParaRPr lang="en-US"/>
+          </a:p>
+        </p:txBody>
+      </p:sp>
+      <p:pic>
+        <p:nvPicPr>
+          <p:cNvPr id="1026" name="Picture 2"/>
+          <p:cNvPicPr>
+            <a:picLocks noChangeAspect="1" noChangeArrowheads="1"/>
+          </p:cNvPicPr>
+          <p:nvPr/>
+        </p:nvPicPr>
+        <p:blipFill>
+          <a:blip r:embed="rId2">
+            <a:extLst>
+              <a:ext uri="{28A0092B-C50C-407E-A947-70E740481C1C}">
+                <a14:useLocalDpi xmlns:a14="http://schemas.microsoft.com/office/drawing/2010/main" val="0"/>
+              </a:ext>
+            </a:extLst>
+          </a:blip>
+          <a:srcRect/>
+          <a:stretch>
+            <a:fillRect/>
+          </a:stretch>
+        </p:blipFill>
+        <p:spPr bwMode="auto">
+          <a:xfrm>
+            <a:off x="685800" y="1714499"/>
+            <a:ext cx="10392894" cy="4638675"/>
+          </a:xfrm>
+          <a:prstGeom prst="rect">
+            <a:avLst/>
+          </a:prstGeom>
+          <a:noFill/>
+          <a:ln>
+            <a:noFill/>
+          </a:ln>
+          <a:effectLst/>
+          <a:extLst>
+            <a:ext uri="{909E8E84-426E-40DD-AFC4-6F175D3DCCD1}">
+              <a14:hiddenFill xmlns:a14="http://schemas.microsoft.com/office/drawing/2010/main">
+                <a:solidFill>
+                  <a:schemeClr val="accent1"/>
+                </a:solidFill>
+              </a14:hiddenFill>
+            </a:ext>
+            <a:ext uri="{91240B29-F687-4F45-9708-019B960494DF}">
+              <a14:hiddenLine xmlns:a14="http://schemas.microsoft.com/office/drawing/2010/main" w="9525">
+                <a:solidFill>
+                  <a:schemeClr val="tx1"/>
+                </a:solidFill>
+                <a:miter lim="800000"/>
+                <a:headEnd/>
+                <a:tailEnd/>
+              </a14:hiddenLine>
+            </a:ext>
+            <a:ext uri="{AF507438-7753-43E0-B8FC-AC1667EBCBE1}">
+              <a14:hiddenEffects xmlns:a14="http://schemas.microsoft.com/office/drawing/2010/main">
+                <a:effectLst>
+                  <a:outerShdw dist="35921" dir="2700000" algn="ctr" rotWithShape="0">
+                    <a:schemeClr val="bg2"/>
+                  </a:outerShdw>
+                </a:effectLst>
+              </a14:hiddenEffects>
+            </a:ext>
+          </a:extLst>
+        </p:spPr>
+      </p:pic>
+    </p:spTree>
+    <p:extLst>
+      <p:ext uri="{BB962C8B-B14F-4D97-AF65-F5344CB8AC3E}">
+        <p14:creationId xmlns:p14="http://schemas.microsoft.com/office/powerpoint/2010/main" val="145459606"/>
+      </p:ext>
+    </p:extLst>
+  </p:cSld>
+  <p:clrMapOvr>
+    <a:masterClrMapping/>
+  </p:clrMapOvr>
+  <p:timing>
+    <p:tnLst>
+      <p:par>
+        <p:cTn id="1" dur="indefinite" restart="never" nodeType="tmRoot"/>
+      </p:par>
+    </p:tnLst>
+  </p:timing>
+</p:sld>
+</file>
+
+<file path=ppt/slides/slide6.xml><?xml version="1.0" encoding="utf-8"?>
+<p:sld xmlns:a="http://schemas.openxmlformats.org/drawingml/2006/main" xmlns:r="http://schemas.openxmlformats.org/officeDocument/2006/relationships" xmlns:p="http://schemas.openxmlformats.org/presentationml/2006/main">
+  <p:cSld>
+    <p:spTree>
+      <p:nvGrpSpPr>
+        <p:cNvPr id="1" name=""/>
+        <p:cNvGrpSpPr/>
+        <p:nvPr/>
+      </p:nvGrpSpPr>
+      <p:grpSpPr>
+        <a:xfrm>
+          <a:off x="0" y="0"/>
+          <a:ext cx="0" cy="0"/>
+          <a:chOff x="0" y="0"/>
+          <a:chExt cx="0" cy="0"/>
+        </a:xfrm>
+      </p:grpSpPr>
+      <p:sp>
+        <p:nvSpPr>
+          <p:cNvPr id="2" name="Title 1"/>
+          <p:cNvSpPr>
+            <a:spLocks noGrp="1"/>
+          </p:cNvSpPr>
+          <p:nvPr>
+            <p:ph type="title"/>
+          </p:nvPr>
+        </p:nvSpPr>
+        <p:spPr/>
+        <p:txBody>
+          <a:bodyPr/>
+          <a:lstStyle/>
+          <a:p>
+            <a:r>
+              <a:rPr lang="en-US" b="1" dirty="0" err="1" smtClean="0"/>
+              <a:t>Arducopter</a:t>
+            </a:r>
+            <a:r>
+              <a:rPr lang="en-US" b="1" dirty="0" smtClean="0"/>
+              <a:t> </a:t>
+            </a:r>
+            <a:r>
+              <a:rPr lang="en-US" b="1" dirty="0" err="1" smtClean="0"/>
+              <a:t>flightgear</a:t>
+            </a:r>
+            <a:r>
+              <a:rPr lang="en-US" b="1" dirty="0" smtClean="0"/>
+              <a:t> 3d simulator</a:t>
+            </a:r>
+            <a:endParaRPr lang="en-US" dirty="0"/>
+          </a:p>
+        </p:txBody>
+      </p:sp>
+      <p:sp>
+        <p:nvSpPr>
+          <p:cNvPr id="3" name="Content Placeholder 2"/>
+          <p:cNvSpPr>
+            <a:spLocks noGrp="1"/>
+          </p:cNvSpPr>
+          <p:nvPr>
+            <p:ph idx="1"/>
+          </p:nvPr>
+        </p:nvSpPr>
+        <p:spPr/>
+        <p:txBody>
+          <a:bodyPr/>
+          <a:lstStyle/>
+          <a:p>
+            <a:r>
+              <a:rPr lang="en-US" dirty="0" smtClean="0"/>
+              <a:t>I choose to use </a:t>
+            </a:r>
+            <a:r>
+              <a:rPr lang="en-US" dirty="0" err="1" smtClean="0"/>
+              <a:t>Flightgear</a:t>
+            </a:r>
+            <a:r>
+              <a:rPr lang="en-US" dirty="0" smtClean="0"/>
+              <a:t> because of it’s ease of use to setup and compatibility with Windows and </a:t>
+            </a:r>
+            <a:r>
+              <a:rPr lang="en-US" dirty="0" err="1" smtClean="0"/>
+              <a:t>Mavlink</a:t>
+            </a:r>
+            <a:r>
+              <a:rPr lang="en-US" dirty="0" smtClean="0"/>
+              <a:t>.</a:t>
+            </a:r>
+          </a:p>
+          <a:p>
+            <a:pPr lvl="1"/>
+            <a:r>
+              <a:rPr lang="en-US" dirty="0">
+                <a:hlinkClick r:id="rId2"/>
+              </a:rPr>
+              <a:t>http://www.flightgear.org/download</a:t>
+            </a:r>
+            <a:r>
+              <a:rPr lang="en-US" dirty="0" smtClean="0">
+                <a:hlinkClick r:id="rId2"/>
+              </a:rPr>
+              <a:t>/</a:t>
+            </a:r>
+            <a:endParaRPr lang="en-US" dirty="0" smtClean="0"/>
+          </a:p>
+        </p:txBody>
+      </p:sp>
+    </p:spTree>
+    <p:extLst>
+      <p:ext uri="{BB962C8B-B14F-4D97-AF65-F5344CB8AC3E}">
+        <p14:creationId xmlns:p14="http://schemas.microsoft.com/office/powerpoint/2010/main" val="3228023672"/>
+      </p:ext>
+    </p:extLst>
+  </p:cSld>
+  <p:clrMapOvr>
+    <a:masterClrMapping/>
+  </p:clrMapOvr>
+  <p:timing>
+    <p:tnLst>
+      <p:par>
+        <p:cTn id="1" dur="indefinite" restart="never" nodeType="tmRoot"/>
+      </p:par>
+    </p:tnLst>
+  </p:timing>
+</p:sld>
+</file>
+
+<file path=ppt/slides/slide7.xml><?xml version="1.0" encoding="utf-8"?>
+<p:sld xmlns:a="http://schemas.openxmlformats.org/drawingml/2006/main" xmlns:r="http://schemas.openxmlformats.org/officeDocument/2006/relationships" xmlns:p="http://schemas.openxmlformats.org/presentationml/2006/main">
+  <p:cSld>
+    <p:spTree>
+      <p:nvGrpSpPr>
+        <p:cNvPr id="1" name=""/>
+        <p:cNvGrpSpPr/>
+        <p:nvPr/>
+      </p:nvGrpSpPr>
+      <p:grpSpPr>
+        <a:xfrm>
+          <a:off x="0" y="0"/>
+          <a:ext cx="0" cy="0"/>
+          <a:chOff x="0" y="0"/>
+          <a:chExt cx="0" cy="0"/>
+        </a:xfrm>
+      </p:grpSpPr>
+      <p:sp>
+        <p:nvSpPr>
+          <p:cNvPr id="2" name="Title 1"/>
+          <p:cNvSpPr>
+            <a:spLocks noGrp="1"/>
+          </p:cNvSpPr>
+          <p:nvPr>
+            <p:ph type="title"/>
+          </p:nvPr>
+        </p:nvSpPr>
+        <p:spPr/>
+        <p:txBody>
+          <a:bodyPr/>
+          <a:lstStyle/>
+          <a:p>
+            <a:r>
+              <a:rPr lang="en-US" dirty="0" err="1" smtClean="0"/>
+              <a:t>Flightgear</a:t>
+            </a:r>
+            <a:r>
+              <a:rPr lang="en-US" dirty="0" smtClean="0"/>
+              <a:t> commands</a:t>
+            </a:r>
+            <a:endParaRPr lang="en-US" dirty="0"/>
+          </a:p>
+        </p:txBody>
+      </p:sp>
+      <p:sp>
+        <p:nvSpPr>
+          <p:cNvPr id="3" name="Content Placeholder 2"/>
+          <p:cNvSpPr>
+            <a:spLocks noGrp="1"/>
+          </p:cNvSpPr>
+          <p:nvPr>
+            <p:ph idx="1"/>
+          </p:nvPr>
+        </p:nvSpPr>
+        <p:spPr/>
+        <p:txBody>
+          <a:bodyPr/>
+          <a:lstStyle/>
+          <a:p>
+            <a:endParaRPr lang="en-US"/>
+          </a:p>
+        </p:txBody>
+      </p:sp>
+      <p:pic>
+        <p:nvPicPr>
+          <p:cNvPr id="2050" name="Picture 2"/>
+          <p:cNvPicPr>
+            <a:picLocks noChangeAspect="1" noChangeArrowheads="1"/>
+          </p:cNvPicPr>
+          <p:nvPr/>
+        </p:nvPicPr>
+        <p:blipFill>
+          <a:blip r:embed="rId2">
+            <a:extLst>
+              <a:ext uri="{28A0092B-C50C-407E-A947-70E740481C1C}">
+                <a14:useLocalDpi xmlns:a14="http://schemas.microsoft.com/office/drawing/2010/main" val="0"/>
+              </a:ext>
+            </a:extLst>
+          </a:blip>
+          <a:srcRect/>
+          <a:stretch>
+            <a:fillRect/>
+          </a:stretch>
+        </p:blipFill>
+        <p:spPr bwMode="auto">
+          <a:xfrm>
+            <a:off x="6172200" y="2376488"/>
+            <a:ext cx="5581650" cy="3543300"/>
+          </a:xfrm>
+          <a:prstGeom prst="rect">
+            <a:avLst/>
+          </a:prstGeom>
+          <a:noFill/>
+          <a:ln>
+            <a:noFill/>
+          </a:ln>
+          <a:effectLst/>
+          <a:extLst>
+            <a:ext uri="{909E8E84-426E-40DD-AFC4-6F175D3DCCD1}">
+              <a14:hiddenFill xmlns:a14="http://schemas.microsoft.com/office/drawing/2010/main">
+                <a:solidFill>
+                  <a:schemeClr val="accent1"/>
+                </a:solidFill>
+              </a14:hiddenFill>
+            </a:ext>
+            <a:ext uri="{91240B29-F687-4F45-9708-019B960494DF}">
+              <a14:hiddenLine xmlns:a14="http://schemas.microsoft.com/office/drawing/2010/main" w="9525">
+                <a:solidFill>
+                  <a:schemeClr val="tx1"/>
+                </a:solidFill>
+                <a:miter lim="800000"/>
+                <a:headEnd/>
+                <a:tailEnd/>
+              </a14:hiddenLine>
+            </a:ext>
+            <a:ext uri="{AF507438-7753-43E0-B8FC-AC1667EBCBE1}">
+              <a14:hiddenEffects xmlns:a14="http://schemas.microsoft.com/office/drawing/2010/main">
+                <a:effectLst>
+                  <a:outerShdw dist="35921" dir="2700000" algn="ctr" rotWithShape="0">
+                    <a:schemeClr val="bg2"/>
+                  </a:outerShdw>
+                </a:effectLst>
+              </a14:hiddenEffects>
+            </a:ext>
+          </a:extLst>
+        </p:spPr>
+      </p:pic>
+      <p:pic>
+        <p:nvPicPr>
+          <p:cNvPr id="2051" name="Picture 3"/>
+          <p:cNvPicPr>
+            <a:picLocks noChangeAspect="1" noChangeArrowheads="1"/>
+          </p:cNvPicPr>
+          <p:nvPr/>
+        </p:nvPicPr>
+        <p:blipFill>
+          <a:blip r:embed="rId3">
+            <a:extLst>
+              <a:ext uri="{28A0092B-C50C-407E-A947-70E740481C1C}">
+                <a14:useLocalDpi xmlns:a14="http://schemas.microsoft.com/office/drawing/2010/main" val="0"/>
+              </a:ext>
+            </a:extLst>
+          </a:blip>
+          <a:srcRect/>
+          <a:stretch>
+            <a:fillRect/>
+          </a:stretch>
+        </p:blipFill>
+        <p:spPr bwMode="auto">
+          <a:xfrm>
+            <a:off x="542925" y="2376488"/>
+            <a:ext cx="5553075" cy="3552825"/>
+          </a:xfrm>
+          <a:prstGeom prst="rect">
+            <a:avLst/>
+          </a:prstGeom>
+          <a:noFill/>
+          <a:ln>
+            <a:noFill/>
+          </a:ln>
+          <a:effectLst/>
+          <a:extLst>
+            <a:ext uri="{909E8E84-426E-40DD-AFC4-6F175D3DCCD1}">
+              <a14:hiddenFill xmlns:a14="http://schemas.microsoft.com/office/drawing/2010/main">
+                <a:solidFill>
+                  <a:schemeClr val="accent1"/>
+                </a:solidFill>
+              </a14:hiddenFill>
+            </a:ext>
+            <a:ext uri="{91240B29-F687-4F45-9708-019B960494DF}">
+              <a14:hiddenLine xmlns:a14="http://schemas.microsoft.com/office/drawing/2010/main" w="9525">
+                <a:solidFill>
+                  <a:schemeClr val="tx1"/>
+                </a:solidFill>
+                <a:miter lim="800000"/>
+                <a:headEnd/>
+                <a:tailEnd/>
+              </a14:hiddenLine>
+            </a:ext>
+            <a:ext uri="{AF507438-7753-43E0-B8FC-AC1667EBCBE1}">
+              <a14:hiddenEffects xmlns:a14="http://schemas.microsoft.com/office/drawing/2010/main">
+                <a:effectLst>
+                  <a:outerShdw dist="35921" dir="2700000" algn="ctr" rotWithShape="0">
+                    <a:schemeClr val="bg2"/>
+                  </a:outerShdw>
+                </a:effectLst>
+              </a14:hiddenEffects>
+            </a:ext>
+          </a:extLst>
+        </p:spPr>
+      </p:pic>
+    </p:spTree>
+    <p:extLst>
+      <p:ext uri="{BB962C8B-B14F-4D97-AF65-F5344CB8AC3E}">
+        <p14:creationId xmlns:p14="http://schemas.microsoft.com/office/powerpoint/2010/main" val="3429929783"/>
+      </p:ext>
+    </p:extLst>
+  </p:cSld>
+  <p:clrMapOvr>
+    <a:masterClrMapping/>
+  </p:clrMapOvr>
+</p:sld>
+</file>
+
+<file path=ppt/slides/slide8.xml><?xml version="1.0" encoding="utf-8"?>
+<p:sld xmlns:a="http://schemas.openxmlformats.org/drawingml/2006/main" xmlns:r="http://schemas.openxmlformats.org/officeDocument/2006/relationships" xmlns:p="http://schemas.openxmlformats.org/presentationml/2006/main">
+  <p:cSld>
+    <p:spTree>
+      <p:nvGrpSpPr>
+        <p:cNvPr id="1" name=""/>
+        <p:cNvGrpSpPr/>
+        <p:nvPr/>
+      </p:nvGrpSpPr>
+      <p:grpSpPr>
+        <a:xfrm>
+          <a:off x="0" y="0"/>
+          <a:ext cx="0" cy="0"/>
+          <a:chOff x="0" y="0"/>
+          <a:chExt cx="0" cy="0"/>
+        </a:xfrm>
+      </p:grpSpPr>
+      <p:sp>
+        <p:nvSpPr>
+          <p:cNvPr id="2" name="Title 1"/>
+          <p:cNvSpPr>
+            <a:spLocks noGrp="1"/>
+          </p:cNvSpPr>
+          <p:nvPr>
+            <p:ph type="title"/>
+          </p:nvPr>
+        </p:nvSpPr>
+        <p:spPr/>
+        <p:txBody>
+          <a:bodyPr/>
+          <a:lstStyle/>
+          <a:p>
+            <a:r>
+              <a:rPr lang="en-US" b="1" dirty="0" err="1"/>
+              <a:t>FlightGear</a:t>
+            </a:r>
+            <a:r>
+              <a:rPr lang="en-US" b="1" dirty="0"/>
+              <a:t> 3D View  </a:t>
+            </a:r>
+            <a:r>
+              <a:rPr lang="en-US" b="1" dirty="0" smtClean="0"/>
+              <a:t>screenshots</a:t>
+            </a:r>
+            <a:endParaRPr lang="en-US" dirty="0"/>
+          </a:p>
+        </p:txBody>
+      </p:sp>
+      <p:sp>
+        <p:nvSpPr>
+          <p:cNvPr id="3" name="Content Placeholder 2"/>
+          <p:cNvSpPr>
+            <a:spLocks noGrp="1"/>
+          </p:cNvSpPr>
+          <p:nvPr>
+            <p:ph idx="1"/>
+          </p:nvPr>
+        </p:nvSpPr>
+        <p:spPr/>
+        <p:txBody>
+          <a:bodyPr/>
+          <a:lstStyle/>
+          <a:p>
+            <a:endParaRPr lang="en-US"/>
+          </a:p>
+        </p:txBody>
+      </p:sp>
+      <p:pic>
+        <p:nvPicPr>
+          <p:cNvPr id="2050" name="Picture 2"/>
+          <p:cNvPicPr>
+            <a:picLocks noChangeAspect="1" noChangeArrowheads="1"/>
+          </p:cNvPicPr>
+          <p:nvPr/>
+        </p:nvPicPr>
+        <p:blipFill>
+          <a:blip r:embed="rId2">
+            <a:extLst>
+              <a:ext uri="{28A0092B-C50C-407E-A947-70E740481C1C}">
+                <a14:useLocalDpi xmlns:a14="http://schemas.microsoft.com/office/drawing/2010/main" val="0"/>
+              </a:ext>
+            </a:extLst>
+          </a:blip>
+          <a:srcRect/>
+          <a:stretch>
+            <a:fillRect/>
+          </a:stretch>
+        </p:blipFill>
+        <p:spPr bwMode="auto">
+          <a:xfrm>
+            <a:off x="838199" y="1857375"/>
+            <a:ext cx="10353675" cy="4867275"/>
+          </a:xfrm>
+          <a:prstGeom prst="rect">
+            <a:avLst/>
+          </a:prstGeom>
+          <a:noFill/>
+          <a:ln>
+            <a:noFill/>
+          </a:ln>
+          <a:effectLst/>
+          <a:extLst>
+            <a:ext uri="{909E8E84-426E-40DD-AFC4-6F175D3DCCD1}">
+              <a14:hiddenFill xmlns:a14="http://schemas.microsoft.com/office/drawing/2010/main">
+                <a:solidFill>
+                  <a:schemeClr val="accent1"/>
+                </a:solidFill>
+              </a14:hiddenFill>
+            </a:ext>
+            <a:ext uri="{91240B29-F687-4F45-9708-019B960494DF}">
+              <a14:hiddenLine xmlns:a14="http://schemas.microsoft.com/office/drawing/2010/main" w="9525">
+                <a:solidFill>
+                  <a:schemeClr val="tx1"/>
+                </a:solidFill>
+                <a:miter lim="800000"/>
+                <a:headEnd/>
+                <a:tailEnd/>
+              </a14:hiddenLine>
+            </a:ext>
+            <a:ext uri="{AF507438-7753-43E0-B8FC-AC1667EBCBE1}">
+              <a14:hiddenEffects xmlns:a14="http://schemas.microsoft.com/office/drawing/2010/main">
+                <a:effectLst>
+                  <a:outerShdw dist="35921" dir="2700000" algn="ctr" rotWithShape="0">
+                    <a:schemeClr val="bg2"/>
+                  </a:outerShdw>
+                </a:effectLst>
+              </a14:hiddenEffects>
+            </a:ext>
+          </a:extLst>
+        </p:spPr>
+      </p:pic>
+    </p:spTree>
+    <p:extLst>
+      <p:ext uri="{BB962C8B-B14F-4D97-AF65-F5344CB8AC3E}">
+        <p14:creationId xmlns:p14="http://schemas.microsoft.com/office/powerpoint/2010/main" val="548164659"/>
+      </p:ext>
+    </p:extLst>
+  </p:cSld>
+  <p:clrMapOvr>
+    <a:masterClrMapping/>
+  </p:clrMapOvr>
+</p:sld>
+</file>
+
+<file path=ppt/slides/slide9.xml><?xml version="1.0" encoding="utf-8"?>
+<p:sld xmlns:a="http://schemas.openxmlformats.org/drawingml/2006/main" xmlns:r="http://schemas.openxmlformats.org/officeDocument/2006/relationships" xmlns:p="http://schemas.openxmlformats.org/presentationml/2006/main">
+  <p:cSld>
+    <p:spTree>
+      <p:nvGrpSpPr>
+        <p:cNvPr id="1" name=""/>
+        <p:cNvGrpSpPr/>
+        <p:nvPr/>
+      </p:nvGrpSpPr>
+      <p:grpSpPr>
+        <a:xfrm>
+          <a:off x="0" y="0"/>
+          <a:ext cx="0" cy="0"/>
+          <a:chOff x="0" y="0"/>
+          <a:chExt cx="0" cy="0"/>
+        </a:xfrm>
+      </p:grpSpPr>
+      <p:sp>
+        <p:nvSpPr>
+          <p:cNvPr id="2" name="Title 1"/>
+          <p:cNvSpPr>
+            <a:spLocks noGrp="1"/>
+          </p:cNvSpPr>
+          <p:nvPr>
+            <p:ph type="title"/>
+          </p:nvPr>
+        </p:nvSpPr>
+        <p:spPr/>
+        <p:txBody>
+          <a:bodyPr/>
+          <a:lstStyle/>
+          <a:p>
+            <a:r>
+              <a:rPr lang="en-US" dirty="0" err="1" smtClean="0"/>
+              <a:t>Qgroundcontrol</a:t>
+            </a:r>
+            <a:endParaRPr lang="en-US" dirty="0"/>
+          </a:p>
+        </p:txBody>
+      </p:sp>
+      <p:sp>
+        <p:nvSpPr>
+          <p:cNvPr id="3" name="Content Placeholder 2"/>
+          <p:cNvSpPr>
+            <a:spLocks noGrp="1"/>
+          </p:cNvSpPr>
+          <p:nvPr>
+            <p:ph idx="1"/>
+          </p:nvPr>
+        </p:nvSpPr>
+        <p:spPr/>
+        <p:txBody>
+          <a:bodyPr/>
+          <a:lstStyle/>
+          <a:p>
+            <a:r>
+              <a:rPr lang="en-US" dirty="0" err="1"/>
+              <a:t>QGroundControl</a:t>
+            </a:r>
+            <a:r>
+              <a:rPr lang="en-US" dirty="0"/>
+              <a:t> provides full flight control and mission planning for any </a:t>
+            </a:r>
+            <a:r>
+              <a:rPr lang="en-US" dirty="0" err="1"/>
+              <a:t>MAVLink</a:t>
+            </a:r>
+            <a:r>
+              <a:rPr lang="en-US" dirty="0"/>
+              <a:t> enabled drone. Its primary goal is ease of use for professional users and developers. All the code is open-source source, so you can contribute and evolve it as you want. </a:t>
+            </a:r>
+            <a:endParaRPr lang="en-US" dirty="0" smtClean="0"/>
+          </a:p>
+          <a:p>
+            <a:r>
+              <a:rPr lang="en-US" dirty="0" err="1" smtClean="0"/>
+              <a:t>QGroundControl</a:t>
+            </a:r>
+            <a:r>
+              <a:rPr lang="en-US" dirty="0" smtClean="0"/>
+              <a:t> </a:t>
+            </a:r>
+            <a:r>
+              <a:rPr lang="en-US" dirty="0"/>
+              <a:t>is used as the flight controller in the simulation environment. It will also be used as the flight controller for the real drone. Using it now provides a solid test case for the actual drone flight testing.</a:t>
+            </a:r>
+          </a:p>
+          <a:p>
+            <a:pPr lvl="1"/>
+            <a:r>
+              <a:rPr lang="en-US" dirty="0" smtClean="0">
+                <a:hlinkClick r:id="rId2"/>
+              </a:rPr>
+              <a:t>https</a:t>
+            </a:r>
+            <a:r>
+              <a:rPr lang="en-US" dirty="0">
+                <a:hlinkClick r:id="rId2"/>
+              </a:rPr>
+              <a:t>://</a:t>
+            </a:r>
+            <a:r>
+              <a:rPr lang="en-US" dirty="0" smtClean="0">
+                <a:hlinkClick r:id="rId2"/>
+              </a:rPr>
+              <a:t>play.google.com/store/apps/details?id=org.mavlink.qgroundcontrol&amp;hl=en_US&amp;gl=US</a:t>
+            </a:r>
+            <a:endParaRPr lang="en-US" dirty="0" smtClean="0"/>
+          </a:p>
+          <a:p>
+            <a:endParaRPr lang="en-US" dirty="0"/>
+          </a:p>
+        </p:txBody>
+      </p:sp>
+    </p:spTree>
+    <p:extLst>
+      <p:ext uri="{BB962C8B-B14F-4D97-AF65-F5344CB8AC3E}">
+        <p14:creationId xmlns:p14="http://schemas.microsoft.com/office/powerpoint/2010/main" val="3040023596"/>
+      </p:ext>
+    </p:extLst>
+  </p:cSld>
+  <p:clrMapOvr>
+    <a:masterClrMapping/>
+  </p:clrMapOvr>
+  <p:timing>
+    <p:tnLst>
+      <p:par>
+        <p:cTn id="1" dur="indefinite" restart="never" nodeType="tmRoot"/>
+      </p:par>
+    </p:tnLst>
+  </p:timing>
+</p:sld>
+</file>
+
 <file path=ppt/theme/theme1.xml><?xml version="1.0" encoding="utf-8"?>
 <a:theme xmlns:a="http://schemas.openxmlformats.org/drawingml/2006/main" name="Celestial">
   <a:themeElements>
@@ -6050,7 +7167,7 @@
     </a:clrScheme>
     <a:fontScheme name="Celestial">
       <a:majorFont>
-        <a:latin typeface="Calibri Light" panose="020F0302020204030204"/>
+        <a:latin typeface="Calibri Light"/>
         <a:ea typeface=""/>
         <a:cs typeface=""/>
         <a:font script="Jpan" typeface="ＭＳ Ｐゴシック"/>
@@ -6085,7 +7202,7 @@
         <a:font script="Geor" typeface="Sylfaen"/>
       </a:majorFont>
       <a:minorFont>
-        <a:latin typeface="Calibri" panose="020F0502020204030204"/>
+        <a:latin typeface="Calibri"/>
         <a:ea typeface=""/>
         <a:cs typeface=""/>
         <a:font script="Jpan" typeface="ＭＳ Ｐゴシック"/>
